--- a/presentation-assets/Defensive Coding Slides.pptx
+++ b/presentation-assets/Defensive Coding Slides.pptx
@@ -13,6 +13,9 @@
     <p:sldId id="264" r:id="rId7"/>
     <p:sldId id="265" r:id="rId8"/>
     <p:sldId id="260" r:id="rId9"/>
+    <p:sldId id="267" r:id="rId10"/>
+    <p:sldId id="268" r:id="rId11"/>
+    <p:sldId id="269" r:id="rId12"/>
   </p:sldIdLst>
   <p:sldSz cx="12192000" cy="6858000"/>
   <p:notesSz cx="6858000" cy="9144000"/>
@@ -288,7 +291,7 @@
           <a:p>
             <a:fld id="{B2DF491A-DEE1-498A-9BC7-973F7A2A572B}" type="datetimeFigureOut">
               <a:rPr lang="en-US" smtClean="0"/>
-              <a:t>4/19/2018</a:t>
+              <a:t>4/20/2018</a:t>
             </a:fld>
             <a:endParaRPr lang="en-US"/>
           </a:p>
@@ -623,7 +626,7 @@
           <a:p>
             <a:fld id="{B2DF491A-DEE1-498A-9BC7-973F7A2A572B}" type="datetimeFigureOut">
               <a:rPr lang="en-US" smtClean="0"/>
-              <a:t>4/19/2018</a:t>
+              <a:t>4/20/2018</a:t>
             </a:fld>
             <a:endParaRPr lang="en-US"/>
           </a:p>
@@ -803,7 +806,7 @@
           <a:p>
             <a:fld id="{B2DF491A-DEE1-498A-9BC7-973F7A2A572B}" type="datetimeFigureOut">
               <a:rPr lang="en-US" smtClean="0"/>
-              <a:t>4/19/2018</a:t>
+              <a:t>4/20/2018</a:t>
             </a:fld>
             <a:endParaRPr lang="en-US"/>
           </a:p>
@@ -978,7 +981,7 @@
           <a:p>
             <a:fld id="{B2DF491A-DEE1-498A-9BC7-973F7A2A572B}" type="datetimeFigureOut">
               <a:rPr lang="en-US" smtClean="0"/>
-              <a:t>4/19/2018</a:t>
+              <a:t>4/20/2018</a:t>
             </a:fld>
             <a:endParaRPr lang="en-US"/>
           </a:p>
@@ -1255,7 +1258,7 @@
           <a:p>
             <a:fld id="{B2DF491A-DEE1-498A-9BC7-973F7A2A572B}" type="datetimeFigureOut">
               <a:rPr lang="en-US" smtClean="0"/>
-              <a:t>4/19/2018</a:t>
+              <a:t>4/20/2018</a:t>
             </a:fld>
             <a:endParaRPr lang="en-US"/>
           </a:p>
@@ -1654,7 +1657,7 @@
           <a:p>
             <a:fld id="{B2DF491A-DEE1-498A-9BC7-973F7A2A572B}" type="datetimeFigureOut">
               <a:rPr lang="en-US" smtClean="0"/>
-              <a:t>4/19/2018</a:t>
+              <a:t>4/20/2018</a:t>
             </a:fld>
             <a:endParaRPr lang="en-US"/>
           </a:p>
@@ -2131,7 +2134,7 @@
           <a:p>
             <a:fld id="{B2DF491A-DEE1-498A-9BC7-973F7A2A572B}" type="datetimeFigureOut">
               <a:rPr lang="en-US" smtClean="0"/>
-              <a:t>4/19/2018</a:t>
+              <a:t>4/20/2018</a:t>
             </a:fld>
             <a:endParaRPr lang="en-US"/>
           </a:p>
@@ -2249,7 +2252,7 @@
           <a:p>
             <a:fld id="{B2DF491A-DEE1-498A-9BC7-973F7A2A572B}" type="datetimeFigureOut">
               <a:rPr lang="en-US" smtClean="0"/>
-              <a:t>4/19/2018</a:t>
+              <a:t>4/20/2018</a:t>
             </a:fld>
             <a:endParaRPr lang="en-US"/>
           </a:p>
@@ -2344,7 +2347,7 @@
           <a:p>
             <a:fld id="{B2DF491A-DEE1-498A-9BC7-973F7A2A572B}" type="datetimeFigureOut">
               <a:rPr lang="en-US" smtClean="0"/>
-              <a:t>4/19/2018</a:t>
+              <a:t>4/20/2018</a:t>
             </a:fld>
             <a:endParaRPr lang="en-US"/>
           </a:p>
@@ -2690,7 +2693,7 @@
           <a:p>
             <a:fld id="{B2DF491A-DEE1-498A-9BC7-973F7A2A572B}" type="datetimeFigureOut">
               <a:rPr lang="en-US" smtClean="0"/>
-              <a:t>4/19/2018</a:t>
+              <a:t>4/20/2018</a:t>
             </a:fld>
             <a:endParaRPr lang="en-US"/>
           </a:p>
@@ -3078,7 +3081,7 @@
           <a:p>
             <a:fld id="{B2DF491A-DEE1-498A-9BC7-973F7A2A572B}" type="datetimeFigureOut">
               <a:rPr lang="en-US" smtClean="0"/>
-              <a:t>4/19/2018</a:t>
+              <a:t>4/20/2018</a:t>
             </a:fld>
             <a:endParaRPr lang="en-US"/>
           </a:p>
@@ -3356,7 +3359,7 @@
           <a:p>
             <a:fld id="{B2DF491A-DEE1-498A-9BC7-973F7A2A572B}" type="datetimeFigureOut">
               <a:rPr lang="en-US" smtClean="0"/>
-              <a:t>4/19/2018</a:t>
+              <a:t>4/20/2018</a:t>
             </a:fld>
             <a:endParaRPr lang="en-US"/>
           </a:p>
@@ -3942,6 +3945,138 @@
 </p:sld>
 </file>
 
+<file path=ppt/slides/slide10.xml><?xml version="1.0" encoding="utf-8"?>
+<p:sld xmlns:a="http://schemas.openxmlformats.org/drawingml/2006/main" xmlns:r="http://schemas.openxmlformats.org/officeDocument/2006/relationships" xmlns:p="http://schemas.openxmlformats.org/presentationml/2006/main">
+  <p:cSld>
+    <p:spTree>
+      <p:nvGrpSpPr>
+        <p:cNvPr id="1" name=""/>
+        <p:cNvGrpSpPr/>
+        <p:nvPr/>
+      </p:nvGrpSpPr>
+      <p:grpSpPr>
+        <a:xfrm>
+          <a:off x="0" y="0"/>
+          <a:ext cx="0" cy="0"/>
+          <a:chOff x="0" y="0"/>
+          <a:chExt cx="0" cy="0"/>
+        </a:xfrm>
+      </p:grpSpPr>
+      <p:sp>
+        <p:nvSpPr>
+          <p:cNvPr id="2" name="Title 1">
+            <a:extLst>
+              <a:ext uri="{FF2B5EF4-FFF2-40B4-BE49-F238E27FC236}">
+                <a16:creationId xmlns:a16="http://schemas.microsoft.com/office/drawing/2014/main" id="{A3872B9A-1102-4BCD-A6E3-54C99C0CA3CE}"/>
+              </a:ext>
+            </a:extLst>
+          </p:cNvPr>
+          <p:cNvSpPr>
+            <a:spLocks noGrp="1"/>
+          </p:cNvSpPr>
+          <p:nvPr>
+            <p:ph type="title"/>
+          </p:nvPr>
+        </p:nvSpPr>
+        <p:spPr>
+          <a:xfrm>
+            <a:off x="1295400" y="3024554"/>
+            <a:ext cx="9601200" cy="808892"/>
+          </a:xfrm>
+        </p:spPr>
+        <p:txBody>
+          <a:bodyPr>
+            <a:normAutofit/>
+          </a:bodyPr>
+          <a:lstStyle/>
+          <a:p>
+            <a:pPr algn="ctr"/>
+            <a:r>
+              <a:rPr lang="en-US" dirty="0"/>
+              <a:t>Demo Time</a:t>
+            </a:r>
+          </a:p>
+        </p:txBody>
+      </p:sp>
+    </p:spTree>
+    <p:extLst>
+      <p:ext uri="{BB962C8B-B14F-4D97-AF65-F5344CB8AC3E}">
+        <p14:creationId xmlns:p14="http://schemas.microsoft.com/office/powerpoint/2010/main" val="4265351504"/>
+      </p:ext>
+    </p:extLst>
+  </p:cSld>
+  <p:clrMapOvr>
+    <a:masterClrMapping/>
+  </p:clrMapOvr>
+</p:sld>
+</file>
+
+<file path=ppt/slides/slide11.xml><?xml version="1.0" encoding="utf-8"?>
+<p:sld xmlns:a="http://schemas.openxmlformats.org/drawingml/2006/main" xmlns:r="http://schemas.openxmlformats.org/officeDocument/2006/relationships" xmlns:p="http://schemas.openxmlformats.org/presentationml/2006/main">
+  <p:cSld>
+    <p:spTree>
+      <p:nvGrpSpPr>
+        <p:cNvPr id="1" name=""/>
+        <p:cNvGrpSpPr/>
+        <p:nvPr/>
+      </p:nvGrpSpPr>
+      <p:grpSpPr>
+        <a:xfrm>
+          <a:off x="0" y="0"/>
+          <a:ext cx="0" cy="0"/>
+          <a:chOff x="0" y="0"/>
+          <a:chExt cx="0" cy="0"/>
+        </a:xfrm>
+      </p:grpSpPr>
+      <p:sp>
+        <p:nvSpPr>
+          <p:cNvPr id="2" name="Title 1">
+            <a:extLst>
+              <a:ext uri="{FF2B5EF4-FFF2-40B4-BE49-F238E27FC236}">
+                <a16:creationId xmlns:a16="http://schemas.microsoft.com/office/drawing/2014/main" id="{A3872B9A-1102-4BCD-A6E3-54C99C0CA3CE}"/>
+              </a:ext>
+            </a:extLst>
+          </p:cNvPr>
+          <p:cNvSpPr>
+            <a:spLocks noGrp="1"/>
+          </p:cNvSpPr>
+          <p:nvPr>
+            <p:ph type="title"/>
+          </p:nvPr>
+        </p:nvSpPr>
+        <p:spPr>
+          <a:xfrm>
+            <a:off x="1295400" y="3024554"/>
+            <a:ext cx="9601200" cy="808892"/>
+          </a:xfrm>
+        </p:spPr>
+        <p:txBody>
+          <a:bodyPr>
+            <a:normAutofit/>
+          </a:bodyPr>
+          <a:lstStyle/>
+          <a:p>
+            <a:pPr algn="ctr"/>
+            <a:r>
+              <a:rPr lang="en-US" dirty="0"/>
+              <a:t>Questions/Comments</a:t>
+            </a:r>
+          </a:p>
+        </p:txBody>
+      </p:sp>
+    </p:spTree>
+    <p:extLst>
+      <p:ext uri="{BB962C8B-B14F-4D97-AF65-F5344CB8AC3E}">
+        <p14:creationId xmlns:p14="http://schemas.microsoft.com/office/powerpoint/2010/main" val="1601556421"/>
+      </p:ext>
+    </p:extLst>
+  </p:cSld>
+  <p:clrMapOvr>
+    <a:masterClrMapping/>
+  </p:clrMapOvr>
+</p:sld>
+</file>
+
 <file path=ppt/slides/slide2.xml><?xml version="1.0" encoding="utf-8"?>
 <p:sld xmlns:a="http://schemas.openxmlformats.org/drawingml/2006/main" xmlns:r="http://schemas.openxmlformats.org/officeDocument/2006/relationships" xmlns:p="http://schemas.openxmlformats.org/presentationml/2006/main">
   <p:cSld>
@@ -4024,7 +4159,7 @@
           <a:p>
             <a:r>
               <a:rPr lang="en-US" dirty="0"/>
-              <a:t>How do I apply it?</a:t>
+              <a:t>What does it mean?</a:t>
             </a:r>
           </a:p>
         </p:txBody>
@@ -4656,12 +4791,16 @@
           <a:lstStyle/>
           <a:p>
             <a:r>
+              <a:rPr lang="en-US" dirty="0"/>
+              <a:t>An understanding of </a:t>
+            </a:r>
+            <a:r>
               <a:rPr lang="en-US" b="1" dirty="0"/>
-              <a:t>Defensive coding </a:t>
+              <a:t>defensive coding </a:t>
             </a:r>
             <a:r>
               <a:rPr lang="en-US" dirty="0"/>
-              <a:t>as we know it today</a:t>
+              <a:t>today</a:t>
             </a:r>
           </a:p>
         </p:txBody>
@@ -4755,10 +4894,22 @@
           <a:p>
             <a:pPr lvl="1"/>
             <a:r>
-              <a:rPr lang="en-US"/>
+              <a:rPr lang="en-US" dirty="0"/>
               <a:t>Clean Code</a:t>
             </a:r>
-            <a:endParaRPr lang="en-US" dirty="0"/>
+          </a:p>
+          <a:p>
+            <a:r>
+              <a:rPr lang="en-US" dirty="0"/>
+              <a:t>Predictability</a:t>
+            </a:r>
+          </a:p>
+          <a:p>
+            <a:pPr lvl="1"/>
+            <a:r>
+              <a:rPr lang="en-US" dirty="0"/>
+              <a:t>Anticipating Failure</a:t>
+            </a:r>
           </a:p>
           <a:p>
             <a:r>
@@ -4778,19 +4929,6 @@
             <a:r>
               <a:rPr lang="en-US" dirty="0"/>
               <a:t>Unit Tests</a:t>
-            </a:r>
-          </a:p>
-          <a:p>
-            <a:r>
-              <a:rPr lang="en-US" dirty="0"/>
-              <a:t>Predictability</a:t>
-            </a:r>
-          </a:p>
-          <a:p>
-            <a:pPr lvl="1"/>
-            <a:r>
-              <a:rPr lang="en-US" dirty="0"/>
-              <a:t>Anticipating Failure</a:t>
             </a:r>
           </a:p>
         </p:txBody>
@@ -4837,6 +4975,96 @@
     <p:extLst>
       <p:ext uri="{BB962C8B-B14F-4D97-AF65-F5344CB8AC3E}">
         <p14:creationId xmlns:p14="http://schemas.microsoft.com/office/powerpoint/2010/main" val="3572898092"/>
+      </p:ext>
+    </p:extLst>
+  </p:cSld>
+  <p:clrMapOvr>
+    <a:masterClrMapping/>
+  </p:clrMapOvr>
+</p:sld>
+</file>
+
+<file path=ppt/slides/slide9.xml><?xml version="1.0" encoding="utf-8"?>
+<p:sld xmlns:a="http://schemas.openxmlformats.org/drawingml/2006/main" xmlns:r="http://schemas.openxmlformats.org/officeDocument/2006/relationships" xmlns:p="http://schemas.openxmlformats.org/presentationml/2006/main">
+  <p:cSld>
+    <p:spTree>
+      <p:nvGrpSpPr>
+        <p:cNvPr id="1" name=""/>
+        <p:cNvGrpSpPr/>
+        <p:nvPr/>
+      </p:nvGrpSpPr>
+      <p:grpSpPr>
+        <a:xfrm>
+          <a:off x="0" y="0"/>
+          <a:ext cx="0" cy="0"/>
+          <a:chOff x="0" y="0"/>
+          <a:chExt cx="0" cy="0"/>
+        </a:xfrm>
+      </p:grpSpPr>
+      <p:sp>
+        <p:nvSpPr>
+          <p:cNvPr id="2" name="Title 1">
+            <a:extLst>
+              <a:ext uri="{FF2B5EF4-FFF2-40B4-BE49-F238E27FC236}">
+                <a16:creationId xmlns:a16="http://schemas.microsoft.com/office/drawing/2014/main" id="{43AA1C63-4EEE-4DC4-A228-1790064D561A}"/>
+              </a:ext>
+            </a:extLst>
+          </p:cNvPr>
+          <p:cNvSpPr>
+            <a:spLocks noGrp="1"/>
+          </p:cNvSpPr>
+          <p:nvPr>
+            <p:ph type="title"/>
+          </p:nvPr>
+        </p:nvSpPr>
+        <p:spPr/>
+        <p:txBody>
+          <a:bodyPr/>
+          <a:lstStyle/>
+          <a:p>
+            <a:r>
+              <a:rPr lang="en-US" dirty="0"/>
+              <a:t>What does it mean?</a:t>
+            </a:r>
+          </a:p>
+        </p:txBody>
+      </p:sp>
+      <p:sp>
+        <p:nvSpPr>
+          <p:cNvPr id="3" name="Text Placeholder 2">
+            <a:extLst>
+              <a:ext uri="{FF2B5EF4-FFF2-40B4-BE49-F238E27FC236}">
+                <a16:creationId xmlns:a16="http://schemas.microsoft.com/office/drawing/2014/main" id="{223123AA-F4C0-4A36-82BA-BB4661C567CC}"/>
+              </a:ext>
+            </a:extLst>
+          </p:cNvPr>
+          <p:cNvSpPr>
+            <a:spLocks noGrp="1"/>
+          </p:cNvSpPr>
+          <p:nvPr>
+            <p:ph type="body" idx="1"/>
+          </p:nvPr>
+        </p:nvSpPr>
+        <p:spPr/>
+        <p:txBody>
+          <a:bodyPr/>
+          <a:lstStyle/>
+          <a:p>
+            <a:r>
+              <a:rPr lang="en-US" dirty="0"/>
+              <a:t>A demonstration of </a:t>
+            </a:r>
+            <a:r>
+              <a:rPr lang="en-US" b="1" dirty="0"/>
+              <a:t>defensive coding</a:t>
+            </a:r>
+          </a:p>
+        </p:txBody>
+      </p:sp>
+    </p:spTree>
+    <p:extLst>
+      <p:ext uri="{BB962C8B-B14F-4D97-AF65-F5344CB8AC3E}">
+        <p14:creationId xmlns:p14="http://schemas.microsoft.com/office/powerpoint/2010/main" val="2998993433"/>
       </p:ext>
     </p:extLst>
   </p:cSld>

--- a/presentation-assets/Defensive Coding Slides.pptx
+++ b/presentation-assets/Defensive Coding Slides.pptx
@@ -4498,7 +4498,7 @@
             </a:r>
             <a:r>
               <a:rPr lang="en-US" b="1" dirty="0"/>
-              <a:t>March 31, 1965 </a:t>
+              <a:t>May 1980 </a:t>
             </a:r>
             <a:r>
               <a:rPr lang="en-US" dirty="0"/>
@@ -4506,7 +4506,7 @@
             </a:r>
             <a:r>
               <a:rPr lang="en-US" b="1" dirty="0"/>
-              <a:t> The Bell System Technical Journal</a:t>
+              <a:t> ICL Technical Journal</a:t>
             </a:r>
           </a:p>
           <a:p>
